--- a/开题_崔傲.pptx
+++ b/开题_崔傲.pptx
@@ -140,7 +140,7 @@
       </p15:sldGuideLst>
     </p:ext>
     <p:ext uri="{505F2C04-C923-438B-8C0F-E0CD2BADF298}">
-      <wppc:fontMiss xmlns:wppc="http://www.wps.cn/officeDocument/PresentationCustomData" xmlns="" type="true"/>
+      <wppc:fontMiss xmlns="" xmlns:wppc="http://www.wps.cn/officeDocument/PresentationCustomData" type="true"/>
     </p:ext>
   </p:extLst>
 </p:presentation>
@@ -701,7 +701,7 @@
           <a:p>
             <a:fld id="{0F9B84EA-7D68-4D60-9CB1-D50884785D1C}" type="datetimeFigureOut">
               <a:rPr lang="zh-CN" altLang="en-US" smtClean="0"/>
-              <a:t>2021/3/25</a:t>
+              <a:t>2022/3/6</a:t>
             </a:fld>
             <a:endParaRPr lang="zh-CN" altLang="en-US"/>
           </a:p>
@@ -873,7 +873,7 @@
           <a:p>
             <a:fld id="{A1CDD563-DD78-6944-9061-BA868BF896F1}" type="datetimeFigureOut">
               <a:rPr kumimoji="1" lang="zh-CN" altLang="en-US" smtClean="0"/>
-              <a:t>2021/3/25</a:t>
+              <a:t>2022/3/5</a:t>
             </a:fld>
             <a:endParaRPr kumimoji="1" lang="zh-CN" altLang="en-US" dirty="0"/>
           </a:p>
@@ -18181,7 +18181,23 @@
                   <a:srgbClr val="FFC000"/>
                 </a:solidFill>
               </a:rPr>
-              <a:t>确定性</a:t>
+              <a:t>确定性     记录</a:t>
+            </a:r>
+            <a:r>
+              <a:rPr lang="en-US" altLang="zh-CN" sz="1800" b="1" dirty="0">
+                <a:solidFill>
+                  <a:srgbClr val="FFC000"/>
+                </a:solidFill>
+              </a:rPr>
+              <a:t>/</a:t>
+            </a:r>
+            <a:r>
+              <a:rPr lang="zh-CN" altLang="en-US" sz="1800" b="1">
+                <a:solidFill>
+                  <a:srgbClr val="FFC000"/>
+                </a:solidFill>
+              </a:rPr>
+              <a:t>重放</a:t>
             </a:r>
             <a:endParaRPr lang="en-US" altLang="zh-CN" sz="1800" b="1" dirty="0">
               <a:solidFill>
